--- a/example/exported_images/pymol.pptx
+++ b/example/exported_images/pymol.pptx
@@ -5,7 +5,7 @@
     <p:sldMasterId id="2147483648" r:id="rId1"/>
   </p:sldMasterIdLst>
   <p:notesMasterIdLst>
-    <p:notesMasterId r:id="rId9"/>
+    <p:notesMasterId r:id="rId10"/>
   </p:notesMasterIdLst>
   <p:sldIdLst>
     <p:sldId id="257" r:id="rId2"/>
@@ -15,6 +15,7 @@
     <p:sldId id="261" r:id="rId6"/>
     <p:sldId id="262" r:id="rId7"/>
     <p:sldId id="263" r:id="rId8"/>
+    <p:sldId id="264" r:id="rId9"/>
   </p:sldIdLst>
   <p:sldSz cx="12192000" cy="6858000"/>
   <p:notesSz cx="6858000" cy="9144000"/>
@@ -203,7 +204,7 @@
           <a:p>
             <a:fld id="{5BB6586E-1C00-0B4D-8BC2-F785F4A608FB}" type="datetimeFigureOut">
               <a:rPr lang="en-US" smtClean="0"/>
-              <a:t>9/3/20</a:t>
+              <a:t>10/27/20</a:t>
             </a:fld>
             <a:endParaRPr lang="en-US"/>
           </a:p>
@@ -617,7 +618,7 @@
           <a:p>
             <a:fld id="{EBBF1E74-3F4F-0B45-9961-5D2E80082A2C}" type="datetimeFigureOut">
               <a:rPr lang="en-US" smtClean="0"/>
-              <a:t>9/3/20</a:t>
+              <a:t>10/27/20</a:t>
             </a:fld>
             <a:endParaRPr lang="en-US"/>
           </a:p>
@@ -815,7 +816,7 @@
           <a:p>
             <a:fld id="{EBBF1E74-3F4F-0B45-9961-5D2E80082A2C}" type="datetimeFigureOut">
               <a:rPr lang="en-US" smtClean="0"/>
-              <a:t>9/3/20</a:t>
+              <a:t>10/27/20</a:t>
             </a:fld>
             <a:endParaRPr lang="en-US"/>
           </a:p>
@@ -1023,7 +1024,7 @@
           <a:p>
             <a:fld id="{EBBF1E74-3F4F-0B45-9961-5D2E80082A2C}" type="datetimeFigureOut">
               <a:rPr lang="en-US" smtClean="0"/>
-              <a:t>9/3/20</a:t>
+              <a:t>10/27/20</a:t>
             </a:fld>
             <a:endParaRPr lang="en-US"/>
           </a:p>
@@ -1221,7 +1222,7 @@
           <a:p>
             <a:fld id="{EBBF1E74-3F4F-0B45-9961-5D2E80082A2C}" type="datetimeFigureOut">
               <a:rPr lang="en-US" smtClean="0"/>
-              <a:t>9/3/20</a:t>
+              <a:t>10/27/20</a:t>
             </a:fld>
             <a:endParaRPr lang="en-US"/>
           </a:p>
@@ -1496,7 +1497,7 @@
           <a:p>
             <a:fld id="{EBBF1E74-3F4F-0B45-9961-5D2E80082A2C}" type="datetimeFigureOut">
               <a:rPr lang="en-US" smtClean="0"/>
-              <a:t>9/3/20</a:t>
+              <a:t>10/27/20</a:t>
             </a:fld>
             <a:endParaRPr lang="en-US"/>
           </a:p>
@@ -1761,7 +1762,7 @@
           <a:p>
             <a:fld id="{EBBF1E74-3F4F-0B45-9961-5D2E80082A2C}" type="datetimeFigureOut">
               <a:rPr lang="en-US" smtClean="0"/>
-              <a:t>9/3/20</a:t>
+              <a:t>10/27/20</a:t>
             </a:fld>
             <a:endParaRPr lang="en-US"/>
           </a:p>
@@ -2173,7 +2174,7 @@
           <a:p>
             <a:fld id="{EBBF1E74-3F4F-0B45-9961-5D2E80082A2C}" type="datetimeFigureOut">
               <a:rPr lang="en-US" smtClean="0"/>
-              <a:t>9/3/20</a:t>
+              <a:t>10/27/20</a:t>
             </a:fld>
             <a:endParaRPr lang="en-US"/>
           </a:p>
@@ -2314,7 +2315,7 @@
           <a:p>
             <a:fld id="{EBBF1E74-3F4F-0B45-9961-5D2E80082A2C}" type="datetimeFigureOut">
               <a:rPr lang="en-US" smtClean="0"/>
-              <a:t>9/3/20</a:t>
+              <a:t>10/27/20</a:t>
             </a:fld>
             <a:endParaRPr lang="en-US"/>
           </a:p>
@@ -2427,7 +2428,7 @@
           <a:p>
             <a:fld id="{EBBF1E74-3F4F-0B45-9961-5D2E80082A2C}" type="datetimeFigureOut">
               <a:rPr lang="en-US" smtClean="0"/>
-              <a:t>9/3/20</a:t>
+              <a:t>10/27/20</a:t>
             </a:fld>
             <a:endParaRPr lang="en-US"/>
           </a:p>
@@ -2738,7 +2739,7 @@
           <a:p>
             <a:fld id="{EBBF1E74-3F4F-0B45-9961-5D2E80082A2C}" type="datetimeFigureOut">
               <a:rPr lang="en-US" smtClean="0"/>
-              <a:t>9/3/20</a:t>
+              <a:t>10/27/20</a:t>
             </a:fld>
             <a:endParaRPr lang="en-US"/>
           </a:p>
@@ -3026,7 +3027,7 @@
           <a:p>
             <a:fld id="{EBBF1E74-3F4F-0B45-9961-5D2E80082A2C}" type="datetimeFigureOut">
               <a:rPr lang="en-US" smtClean="0"/>
-              <a:t>9/3/20</a:t>
+              <a:t>10/27/20</a:t>
             </a:fld>
             <a:endParaRPr lang="en-US"/>
           </a:p>
@@ -3267,7 +3268,7 @@
           <a:p>
             <a:fld id="{EBBF1E74-3F4F-0B45-9961-5D2E80082A2C}" type="datetimeFigureOut">
               <a:rPr lang="en-US" smtClean="0"/>
-              <a:t>9/3/20</a:t>
+              <a:t>10/27/20</a:t>
             </a:fld>
             <a:endParaRPr lang="en-US"/>
           </a:p>
@@ -11257,6 +11258,1252 @@
 </p:sld>
 </file>
 
+<file path=ppt/slides/slide8.xml><?xml version="1.0" encoding="utf-8"?>
+<p:sld xmlns:a="http://schemas.openxmlformats.org/drawingml/2006/main" xmlns:r="http://schemas.openxmlformats.org/officeDocument/2006/relationships" xmlns:p="http://schemas.openxmlformats.org/presentationml/2006/main">
+  <p:cSld>
+    <p:spTree>
+      <p:nvGrpSpPr>
+        <p:cNvPr id="1" name=""/>
+        <p:cNvGrpSpPr/>
+        <p:nvPr/>
+      </p:nvGrpSpPr>
+      <p:grpSpPr>
+        <a:xfrm>
+          <a:off x="0" y="0"/>
+          <a:ext cx="0" cy="0"/>
+          <a:chOff x="0" y="0"/>
+          <a:chExt cx="0" cy="0"/>
+        </a:xfrm>
+      </p:grpSpPr>
+      <p:sp>
+        <p:nvSpPr>
+          <p:cNvPr id="2" name="Title 1">
+            <a:extLst>
+              <a:ext uri="{FF2B5EF4-FFF2-40B4-BE49-F238E27FC236}">
+                <a16:creationId xmlns:a16="http://schemas.microsoft.com/office/drawing/2014/main" id="{854C7959-406A-494A-B88B-6650C0C63E7B}"/>
+              </a:ext>
+            </a:extLst>
+          </p:cNvPr>
+          <p:cNvSpPr>
+            <a:spLocks noGrp="1"/>
+          </p:cNvSpPr>
+          <p:nvPr>
+            <p:ph type="title"/>
+          </p:nvPr>
+        </p:nvSpPr>
+        <p:spPr/>
+        <p:txBody>
+          <a:bodyPr/>
+          <a:lstStyle/>
+          <a:p>
+            <a:endParaRPr lang="en-US"/>
+          </a:p>
+        </p:txBody>
+      </p:sp>
+      <p:sp>
+        <p:nvSpPr>
+          <p:cNvPr id="3" name="Content Placeholder 2">
+            <a:extLst>
+              <a:ext uri="{FF2B5EF4-FFF2-40B4-BE49-F238E27FC236}">
+                <a16:creationId xmlns:a16="http://schemas.microsoft.com/office/drawing/2014/main" id="{B7E21ABB-AB64-2E47-93B8-97682EEE140C}"/>
+              </a:ext>
+            </a:extLst>
+          </p:cNvPr>
+          <p:cNvSpPr>
+            <a:spLocks noGrp="1"/>
+          </p:cNvSpPr>
+          <p:nvPr>
+            <p:ph idx="1"/>
+          </p:nvPr>
+        </p:nvSpPr>
+        <p:spPr/>
+        <p:txBody>
+          <a:bodyPr/>
+          <a:lstStyle/>
+          <a:p>
+            <a:endParaRPr lang="en-US" dirty="0"/>
+          </a:p>
+        </p:txBody>
+      </p:sp>
+      <p:graphicFrame>
+        <p:nvGraphicFramePr>
+          <p:cNvPr id="4" name="Table 3">
+            <a:extLst>
+              <a:ext uri="{FF2B5EF4-FFF2-40B4-BE49-F238E27FC236}">
+                <a16:creationId xmlns:a16="http://schemas.microsoft.com/office/drawing/2014/main" id="{2597E40D-6192-1A42-A865-4C9151D94E04}"/>
+              </a:ext>
+            </a:extLst>
+          </p:cNvPr>
+          <p:cNvGraphicFramePr>
+            <a:graphicFrameLocks noGrp="1"/>
+          </p:cNvGraphicFramePr>
+          <p:nvPr>
+            <p:extLst>
+              <p:ext uri="{D42A27DB-BD31-4B8C-83A1-F6EECF244321}">
+                <p14:modId xmlns:p14="http://schemas.microsoft.com/office/powerpoint/2010/main" val="3298906571"/>
+              </p:ext>
+            </p:extLst>
+          </p:nvPr>
+        </p:nvGraphicFramePr>
+        <p:xfrm>
+          <a:off x="1841500" y="2743200"/>
+          <a:ext cx="5246685" cy="2667000"/>
+        </p:xfrm>
+        <a:graphic>
+          <a:graphicData uri="http://schemas.openxmlformats.org/drawingml/2006/table">
+            <a:tbl>
+              <a:tblPr>
+                <a:tableStyleId>{2D5ABB26-0587-4C30-8999-92F81FD0307C}</a:tableStyleId>
+              </a:tblPr>
+              <a:tblGrid>
+                <a:gridCol w="777875">
+                  <a:extLst>
+                    <a:ext uri="{9D8B030D-6E8A-4147-A177-3AD203B41FA5}">
+                      <a16:colId xmlns:a16="http://schemas.microsoft.com/office/drawing/2014/main" val="3436740260"/>
+                    </a:ext>
+                  </a:extLst>
+                </a:gridCol>
+                <a:gridCol w="1781937">
+                  <a:extLst>
+                    <a:ext uri="{9D8B030D-6E8A-4147-A177-3AD203B41FA5}">
+                      <a16:colId xmlns:a16="http://schemas.microsoft.com/office/drawing/2014/main" val="1609654730"/>
+                    </a:ext>
+                  </a:extLst>
+                </a:gridCol>
+                <a:gridCol w="798512">
+                  <a:extLst>
+                    <a:ext uri="{9D8B030D-6E8A-4147-A177-3AD203B41FA5}">
+                      <a16:colId xmlns:a16="http://schemas.microsoft.com/office/drawing/2014/main" val="3601191955"/>
+                    </a:ext>
+                  </a:extLst>
+                </a:gridCol>
+                <a:gridCol w="1888361">
+                  <a:extLst>
+                    <a:ext uri="{9D8B030D-6E8A-4147-A177-3AD203B41FA5}">
+                      <a16:colId xmlns:a16="http://schemas.microsoft.com/office/drawing/2014/main" val="2524426005"/>
+                    </a:ext>
+                  </a:extLst>
+                </a:gridCol>
+              </a:tblGrid>
+              <a:tr h="114300">
+                <a:tc>
+                  <a:txBody>
+                    <a:bodyPr/>
+                    <a:lstStyle/>
+                    <a:p>
+                      <a:pPr algn="ctr" fontAlgn="t"/>
+                      <a:r>
+                        <a:rPr lang="en-US" sz="1600" b="1" u="none" strike="noStrike">
+                          <a:effectLst/>
+                        </a:rPr>
+                        <a:t>FP_label</a:t>
+                      </a:r>
+                      <a:endParaRPr lang="en-US" sz="1600" b="1" i="0" u="none" strike="noStrike">
+                        <a:solidFill>
+                          <a:srgbClr val="000000"/>
+                        </a:solidFill>
+                        <a:effectLst/>
+                        <a:latin typeface="Calibri" panose="020F0502020204030204" pitchFamily="34" charset="0"/>
+                      </a:endParaRPr>
+                    </a:p>
+                  </a:txBody>
+                  <a:tcPr marL="9525" marR="9525" marT="9525" marB="0">
+                    <a:lnL w="12700" cap="flat" cmpd="sng" algn="ctr">
+                      <a:solidFill>
+                        <a:schemeClr val="tx1"/>
+                      </a:solidFill>
+                      <a:prstDash val="solid"/>
+                      <a:round/>
+                      <a:headEnd type="none" w="med" len="med"/>
+                      <a:tailEnd type="none" w="med" len="med"/>
+                    </a:lnL>
+                    <a:lnT w="12700" cap="flat" cmpd="sng" algn="ctr">
+                      <a:solidFill>
+                        <a:schemeClr val="tx1"/>
+                      </a:solidFill>
+                      <a:prstDash val="solid"/>
+                      <a:round/>
+                      <a:headEnd type="none" w="med" len="med"/>
+                      <a:tailEnd type="none" w="med" len="med"/>
+                    </a:lnT>
+                    <a:lnB w="12700" cap="flat" cmpd="sng" algn="ctr">
+                      <a:solidFill>
+                        <a:schemeClr val="tx1"/>
+                      </a:solidFill>
+                      <a:prstDash val="solid"/>
+                      <a:round/>
+                      <a:headEnd type="none" w="med" len="med"/>
+                      <a:tailEnd type="none" w="med" len="med"/>
+                    </a:lnB>
+                  </a:tcPr>
+                </a:tc>
+                <a:tc>
+                  <a:txBody>
+                    <a:bodyPr/>
+                    <a:lstStyle/>
+                    <a:p>
+                      <a:pPr algn="ctr" fontAlgn="t"/>
+                      <a:r>
+                        <a:rPr lang="en-US" sz="1600" b="1" u="none" strike="noStrike" dirty="0" err="1">
+                          <a:effectLst/>
+                        </a:rPr>
+                        <a:t>FP_seq</a:t>
+                      </a:r>
+                      <a:endParaRPr lang="en-US" sz="1600" b="1" i="0" u="none" strike="noStrike" dirty="0">
+                        <a:solidFill>
+                          <a:srgbClr val="000000"/>
+                        </a:solidFill>
+                        <a:effectLst/>
+                        <a:latin typeface="Calibri" panose="020F0502020204030204" pitchFamily="34" charset="0"/>
+                      </a:endParaRPr>
+                    </a:p>
+                  </a:txBody>
+                  <a:tcPr marL="9525" marR="9525" marT="9525" marB="0">
+                    <a:lnT w="12700" cap="flat" cmpd="sng" algn="ctr">
+                      <a:solidFill>
+                        <a:schemeClr val="tx1"/>
+                      </a:solidFill>
+                      <a:prstDash val="solid"/>
+                      <a:round/>
+                      <a:headEnd type="none" w="med" len="med"/>
+                      <a:tailEnd type="none" w="med" len="med"/>
+                    </a:lnT>
+                    <a:lnB w="12700" cap="flat" cmpd="sng" algn="ctr">
+                      <a:solidFill>
+                        <a:schemeClr val="tx1"/>
+                      </a:solidFill>
+                      <a:prstDash val="solid"/>
+                      <a:round/>
+                      <a:headEnd type="none" w="med" len="med"/>
+                      <a:tailEnd type="none" w="med" len="med"/>
+                    </a:lnB>
+                  </a:tcPr>
+                </a:tc>
+                <a:tc>
+                  <a:txBody>
+                    <a:bodyPr/>
+                    <a:lstStyle/>
+                    <a:p>
+                      <a:pPr algn="ctr" fontAlgn="t"/>
+                      <a:r>
+                        <a:rPr lang="en-US" sz="1600" b="1" u="none" strike="noStrike">
+                          <a:effectLst/>
+                        </a:rPr>
+                        <a:t>RP_label</a:t>
+                      </a:r>
+                      <a:endParaRPr lang="en-US" sz="1600" b="1" i="0" u="none" strike="noStrike">
+                        <a:solidFill>
+                          <a:srgbClr val="000000"/>
+                        </a:solidFill>
+                        <a:effectLst/>
+                        <a:latin typeface="Calibri" panose="020F0502020204030204" pitchFamily="34" charset="0"/>
+                      </a:endParaRPr>
+                    </a:p>
+                  </a:txBody>
+                  <a:tcPr marL="9525" marR="9525" marT="9525" marB="0">
+                    <a:lnT w="12700" cap="flat" cmpd="sng" algn="ctr">
+                      <a:solidFill>
+                        <a:schemeClr val="tx1"/>
+                      </a:solidFill>
+                      <a:prstDash val="solid"/>
+                      <a:round/>
+                      <a:headEnd type="none" w="med" len="med"/>
+                      <a:tailEnd type="none" w="med" len="med"/>
+                    </a:lnT>
+                    <a:lnB w="12700" cap="flat" cmpd="sng" algn="ctr">
+                      <a:solidFill>
+                        <a:schemeClr val="tx1"/>
+                      </a:solidFill>
+                      <a:prstDash val="solid"/>
+                      <a:round/>
+                      <a:headEnd type="none" w="med" len="med"/>
+                      <a:tailEnd type="none" w="med" len="med"/>
+                    </a:lnB>
+                  </a:tcPr>
+                </a:tc>
+                <a:tc>
+                  <a:txBody>
+                    <a:bodyPr/>
+                    <a:lstStyle/>
+                    <a:p>
+                      <a:pPr algn="ctr" fontAlgn="t"/>
+                      <a:r>
+                        <a:rPr lang="en-US" sz="1600" b="1" u="none" strike="noStrike" dirty="0" err="1">
+                          <a:effectLst/>
+                        </a:rPr>
+                        <a:t>RP_seq</a:t>
+                      </a:r>
+                      <a:endParaRPr lang="en-US" sz="1600" b="1" i="0" u="none" strike="noStrike" dirty="0">
+                        <a:solidFill>
+                          <a:srgbClr val="000000"/>
+                        </a:solidFill>
+                        <a:effectLst/>
+                        <a:latin typeface="Calibri" panose="020F0502020204030204" pitchFamily="34" charset="0"/>
+                      </a:endParaRPr>
+                    </a:p>
+                  </a:txBody>
+                  <a:tcPr marL="9525" marR="9525" marT="9525" marB="0">
+                    <a:lnR w="12700" cap="flat" cmpd="sng" algn="ctr">
+                      <a:solidFill>
+                        <a:schemeClr val="tx1"/>
+                      </a:solidFill>
+                      <a:prstDash val="solid"/>
+                      <a:round/>
+                      <a:headEnd type="none" w="med" len="med"/>
+                      <a:tailEnd type="none" w="med" len="med"/>
+                    </a:lnR>
+                    <a:lnT w="12700" cap="flat" cmpd="sng" algn="ctr">
+                      <a:solidFill>
+                        <a:schemeClr val="tx1"/>
+                      </a:solidFill>
+                      <a:prstDash val="solid"/>
+                      <a:round/>
+                      <a:headEnd type="none" w="med" len="med"/>
+                      <a:tailEnd type="none" w="med" len="med"/>
+                    </a:lnT>
+                    <a:lnB w="12700" cap="flat" cmpd="sng" algn="ctr">
+                      <a:solidFill>
+                        <a:schemeClr val="tx1"/>
+                      </a:solidFill>
+                      <a:prstDash val="solid"/>
+                      <a:round/>
+                      <a:headEnd type="none" w="med" len="med"/>
+                      <a:tailEnd type="none" w="med" len="med"/>
+                    </a:lnB>
+                  </a:tcPr>
+                </a:tc>
+                <a:extLst>
+                  <a:ext uri="{0D108BD9-81ED-4DB2-BD59-A6C34878D82A}">
+                    <a16:rowId xmlns:a16="http://schemas.microsoft.com/office/drawing/2014/main" val="1092280906"/>
+                  </a:ext>
+                </a:extLst>
+              </a:tr>
+              <a:tr h="190500">
+                <a:tc>
+                  <a:txBody>
+                    <a:bodyPr/>
+                    <a:lstStyle/>
+                    <a:p>
+                      <a:pPr algn="ctr" fontAlgn="b"/>
+                      <a:r>
+                        <a:rPr lang="en-US" sz="1100" u="none" strike="noStrike">
+                          <a:effectLst/>
+                        </a:rPr>
+                        <a:t>fp 0</a:t>
+                      </a:r>
+                      <a:endParaRPr lang="en-US" sz="1100" b="0" i="0" u="none" strike="noStrike">
+                        <a:solidFill>
+                          <a:srgbClr val="000000"/>
+                        </a:solidFill>
+                        <a:effectLst/>
+                        <a:latin typeface="Calibri" panose="020F0502020204030204" pitchFamily="34" charset="0"/>
+                      </a:endParaRPr>
+                    </a:p>
+                  </a:txBody>
+                  <a:tcPr marL="9525" marR="9525" marT="9525" marB="0" anchor="b">
+                    <a:lnL w="12700" cap="flat" cmpd="sng" algn="ctr">
+                      <a:solidFill>
+                        <a:schemeClr val="tx1"/>
+                      </a:solidFill>
+                      <a:prstDash val="solid"/>
+                      <a:round/>
+                      <a:headEnd type="none" w="med" len="med"/>
+                      <a:tailEnd type="none" w="med" len="med"/>
+                    </a:lnL>
+                    <a:lnT w="12700" cap="flat" cmpd="sng" algn="ctr">
+                      <a:solidFill>
+                        <a:schemeClr val="tx1"/>
+                      </a:solidFill>
+                      <a:prstDash val="solid"/>
+                      <a:round/>
+                      <a:headEnd type="none" w="med" len="med"/>
+                      <a:tailEnd type="none" w="med" len="med"/>
+                    </a:lnT>
+                  </a:tcPr>
+                </a:tc>
+                <a:tc>
+                  <a:txBody>
+                    <a:bodyPr/>
+                    <a:lstStyle/>
+                    <a:p>
+                      <a:pPr algn="ctr" fontAlgn="b"/>
+                      <a:r>
+                        <a:rPr lang="en-US" sz="1100" u="none" strike="noStrike">
+                          <a:effectLst/>
+                        </a:rPr>
+                        <a:t>CAGTAATACAAGGGGTGTTNNSGAAAAAATTATGCCGG</a:t>
+                      </a:r>
+                      <a:endParaRPr lang="en-US" sz="1100" b="0" i="0" u="none" strike="noStrike">
+                        <a:solidFill>
+                          <a:srgbClr val="000000"/>
+                        </a:solidFill>
+                        <a:effectLst/>
+                        <a:latin typeface="Calibri" panose="020F0502020204030204" pitchFamily="34" charset="0"/>
+                      </a:endParaRPr>
+                    </a:p>
+                  </a:txBody>
+                  <a:tcPr marL="9525" marR="9525" marT="9525" marB="0" anchor="b">
+                    <a:lnT w="12700" cap="flat" cmpd="sng" algn="ctr">
+                      <a:solidFill>
+                        <a:schemeClr val="tx1"/>
+                      </a:solidFill>
+                      <a:prstDash val="solid"/>
+                      <a:round/>
+                      <a:headEnd type="none" w="med" len="med"/>
+                      <a:tailEnd type="none" w="med" len="med"/>
+                    </a:lnT>
+                  </a:tcPr>
+                </a:tc>
+                <a:tc>
+                  <a:txBody>
+                    <a:bodyPr/>
+                    <a:lstStyle/>
+                    <a:p>
+                      <a:pPr algn="ctr" fontAlgn="b"/>
+                      <a:r>
+                        <a:rPr lang="en-US" sz="1100" u="none" strike="noStrike">
+                          <a:effectLst/>
+                        </a:rPr>
+                        <a:t>rp 0</a:t>
+                      </a:r>
+                      <a:endParaRPr lang="en-US" sz="1100" b="0" i="0" u="none" strike="noStrike">
+                        <a:solidFill>
+                          <a:srgbClr val="000000"/>
+                        </a:solidFill>
+                        <a:effectLst/>
+                        <a:latin typeface="Calibri" panose="020F0502020204030204" pitchFamily="34" charset="0"/>
+                      </a:endParaRPr>
+                    </a:p>
+                  </a:txBody>
+                  <a:tcPr marL="9525" marR="9525" marT="9525" marB="0" anchor="b">
+                    <a:lnT w="12700" cap="flat" cmpd="sng" algn="ctr">
+                      <a:solidFill>
+                        <a:schemeClr val="tx1"/>
+                      </a:solidFill>
+                      <a:prstDash val="solid"/>
+                      <a:round/>
+                      <a:headEnd type="none" w="med" len="med"/>
+                      <a:tailEnd type="none" w="med" len="med"/>
+                    </a:lnT>
+                  </a:tcPr>
+                </a:tc>
+                <a:tc>
+                  <a:txBody>
+                    <a:bodyPr/>
+                    <a:lstStyle/>
+                    <a:p>
+                      <a:pPr algn="ctr" fontAlgn="b"/>
+                      <a:r>
+                        <a:rPr lang="en-US" sz="1100" u="none" strike="noStrike">
+                          <a:effectLst/>
+                        </a:rPr>
+                        <a:t>CCGGCATAATTTTTTCSNNAACACCCCTTGTATTACTG</a:t>
+                      </a:r>
+                      <a:endParaRPr lang="en-US" sz="1100" b="0" i="0" u="none" strike="noStrike">
+                        <a:solidFill>
+                          <a:srgbClr val="000000"/>
+                        </a:solidFill>
+                        <a:effectLst/>
+                        <a:latin typeface="Calibri" panose="020F0502020204030204" pitchFamily="34" charset="0"/>
+                      </a:endParaRPr>
+                    </a:p>
+                  </a:txBody>
+                  <a:tcPr marL="9525" marR="9525" marT="9525" marB="0" anchor="b">
+                    <a:lnR w="12700" cap="flat" cmpd="sng" algn="ctr">
+                      <a:solidFill>
+                        <a:schemeClr val="tx1"/>
+                      </a:solidFill>
+                      <a:prstDash val="solid"/>
+                      <a:round/>
+                      <a:headEnd type="none" w="med" len="med"/>
+                      <a:tailEnd type="none" w="med" len="med"/>
+                    </a:lnR>
+                    <a:lnT w="12700" cap="flat" cmpd="sng" algn="ctr">
+                      <a:solidFill>
+                        <a:schemeClr val="tx1"/>
+                      </a:solidFill>
+                      <a:prstDash val="solid"/>
+                      <a:round/>
+                      <a:headEnd type="none" w="med" len="med"/>
+                      <a:tailEnd type="none" w="med" len="med"/>
+                    </a:lnT>
+                  </a:tcPr>
+                </a:tc>
+                <a:extLst>
+                  <a:ext uri="{0D108BD9-81ED-4DB2-BD59-A6C34878D82A}">
+                    <a16:rowId xmlns:a16="http://schemas.microsoft.com/office/drawing/2014/main" val="2626479072"/>
+                  </a:ext>
+                </a:extLst>
+              </a:tr>
+              <a:tr h="190500">
+                <a:tc>
+                  <a:txBody>
+                    <a:bodyPr/>
+                    <a:lstStyle/>
+                    <a:p>
+                      <a:pPr algn="ctr" fontAlgn="b"/>
+                      <a:r>
+                        <a:rPr lang="en-US" sz="1100" u="none" strike="noStrike">
+                          <a:effectLst/>
+                        </a:rPr>
+                        <a:t>fp 1</a:t>
+                      </a:r>
+                      <a:endParaRPr lang="en-US" sz="1100" b="0" i="0" u="none" strike="noStrike">
+                        <a:solidFill>
+                          <a:srgbClr val="000000"/>
+                        </a:solidFill>
+                        <a:effectLst/>
+                        <a:latin typeface="Calibri" panose="020F0502020204030204" pitchFamily="34" charset="0"/>
+                      </a:endParaRPr>
+                    </a:p>
+                  </a:txBody>
+                  <a:tcPr marL="9525" marR="9525" marT="9525" marB="0" anchor="b">
+                    <a:lnL w="12700" cap="flat" cmpd="sng" algn="ctr">
+                      <a:solidFill>
+                        <a:schemeClr val="tx1"/>
+                      </a:solidFill>
+                      <a:prstDash val="solid"/>
+                      <a:round/>
+                      <a:headEnd type="none" w="med" len="med"/>
+                      <a:tailEnd type="none" w="med" len="med"/>
+                    </a:lnL>
+                  </a:tcPr>
+                </a:tc>
+                <a:tc>
+                  <a:txBody>
+                    <a:bodyPr/>
+                    <a:lstStyle/>
+                    <a:p>
+                      <a:pPr algn="ctr" fontAlgn="b"/>
+                      <a:r>
+                        <a:rPr lang="en-US" sz="1100" u="none" strike="noStrike">
+                          <a:effectLst/>
+                        </a:rPr>
+                        <a:t>GTAATACAAGGGGTGTTATGNNSAAAATTATGCCGGAAGA</a:t>
+                      </a:r>
+                      <a:endParaRPr lang="en-US" sz="1100" b="0" i="0" u="none" strike="noStrike">
+                        <a:solidFill>
+                          <a:srgbClr val="000000"/>
+                        </a:solidFill>
+                        <a:effectLst/>
+                        <a:latin typeface="Calibri" panose="020F0502020204030204" pitchFamily="34" charset="0"/>
+                      </a:endParaRPr>
+                    </a:p>
+                  </a:txBody>
+                  <a:tcPr marL="9525" marR="9525" marT="9525" marB="0" anchor="b"/>
+                </a:tc>
+                <a:tc>
+                  <a:txBody>
+                    <a:bodyPr/>
+                    <a:lstStyle/>
+                    <a:p>
+                      <a:pPr algn="ctr" fontAlgn="b"/>
+                      <a:r>
+                        <a:rPr lang="en-US" sz="1100" u="none" strike="noStrike">
+                          <a:effectLst/>
+                        </a:rPr>
+                        <a:t>rp 1</a:t>
+                      </a:r>
+                      <a:endParaRPr lang="en-US" sz="1100" b="0" i="0" u="none" strike="noStrike">
+                        <a:solidFill>
+                          <a:srgbClr val="000000"/>
+                        </a:solidFill>
+                        <a:effectLst/>
+                        <a:latin typeface="Calibri" panose="020F0502020204030204" pitchFamily="34" charset="0"/>
+                      </a:endParaRPr>
+                    </a:p>
+                  </a:txBody>
+                  <a:tcPr marL="9525" marR="9525" marT="9525" marB="0" anchor="b"/>
+                </a:tc>
+                <a:tc>
+                  <a:txBody>
+                    <a:bodyPr/>
+                    <a:lstStyle/>
+                    <a:p>
+                      <a:pPr algn="ctr" fontAlgn="b"/>
+                      <a:r>
+                        <a:rPr lang="en-US" sz="1100" u="none" strike="noStrike">
+                          <a:effectLst/>
+                        </a:rPr>
+                        <a:t>TCTTCCGGCATAATTTTSNNCATAACACCCCTTGTATTAC</a:t>
+                      </a:r>
+                      <a:endParaRPr lang="en-US" sz="1100" b="0" i="0" u="none" strike="noStrike">
+                        <a:solidFill>
+                          <a:srgbClr val="000000"/>
+                        </a:solidFill>
+                        <a:effectLst/>
+                        <a:latin typeface="Calibri" panose="020F0502020204030204" pitchFamily="34" charset="0"/>
+                      </a:endParaRPr>
+                    </a:p>
+                  </a:txBody>
+                  <a:tcPr marL="9525" marR="9525" marT="9525" marB="0" anchor="b">
+                    <a:lnR w="12700" cap="flat" cmpd="sng" algn="ctr">
+                      <a:solidFill>
+                        <a:schemeClr val="tx1"/>
+                      </a:solidFill>
+                      <a:prstDash val="solid"/>
+                      <a:round/>
+                      <a:headEnd type="none" w="med" len="med"/>
+                      <a:tailEnd type="none" w="med" len="med"/>
+                    </a:lnR>
+                  </a:tcPr>
+                </a:tc>
+                <a:extLst>
+                  <a:ext uri="{0D108BD9-81ED-4DB2-BD59-A6C34878D82A}">
+                    <a16:rowId xmlns:a16="http://schemas.microsoft.com/office/drawing/2014/main" val="3359685593"/>
+                  </a:ext>
+                </a:extLst>
+              </a:tr>
+              <a:tr h="190500">
+                <a:tc>
+                  <a:txBody>
+                    <a:bodyPr/>
+                    <a:lstStyle/>
+                    <a:p>
+                      <a:pPr algn="ctr" fontAlgn="b"/>
+                      <a:r>
+                        <a:rPr lang="en-US" sz="1100" u="none" strike="noStrike">
+                          <a:effectLst/>
+                        </a:rPr>
+                        <a:t>fp 2</a:t>
+                      </a:r>
+                      <a:endParaRPr lang="en-US" sz="1100" b="0" i="0" u="none" strike="noStrike">
+                        <a:solidFill>
+                          <a:srgbClr val="000000"/>
+                        </a:solidFill>
+                        <a:effectLst/>
+                        <a:latin typeface="Calibri" panose="020F0502020204030204" pitchFamily="34" charset="0"/>
+                      </a:endParaRPr>
+                    </a:p>
+                  </a:txBody>
+                  <a:tcPr marL="9525" marR="9525" marT="9525" marB="0" anchor="b">
+                    <a:lnL w="12700" cap="flat" cmpd="sng" algn="ctr">
+                      <a:solidFill>
+                        <a:schemeClr val="tx1"/>
+                      </a:solidFill>
+                      <a:prstDash val="solid"/>
+                      <a:round/>
+                      <a:headEnd type="none" w="med" len="med"/>
+                      <a:tailEnd type="none" w="med" len="med"/>
+                    </a:lnL>
+                  </a:tcPr>
+                </a:tc>
+                <a:tc>
+                  <a:txBody>
+                    <a:bodyPr/>
+                    <a:lstStyle/>
+                    <a:p>
+                      <a:pPr algn="ctr" fontAlgn="b"/>
+                      <a:r>
+                        <a:rPr lang="en-US" sz="1100" u="none" strike="noStrike">
+                          <a:effectLst/>
+                        </a:rPr>
+                        <a:t>CAAGGGGTGTTATGGAANNSATTATGCCGGAAGA</a:t>
+                      </a:r>
+                      <a:endParaRPr lang="en-US" sz="1100" b="0" i="0" u="none" strike="noStrike">
+                        <a:solidFill>
+                          <a:srgbClr val="000000"/>
+                        </a:solidFill>
+                        <a:effectLst/>
+                        <a:latin typeface="Calibri" panose="020F0502020204030204" pitchFamily="34" charset="0"/>
+                      </a:endParaRPr>
+                    </a:p>
+                  </a:txBody>
+                  <a:tcPr marL="9525" marR="9525" marT="9525" marB="0" anchor="b"/>
+                </a:tc>
+                <a:tc>
+                  <a:txBody>
+                    <a:bodyPr/>
+                    <a:lstStyle/>
+                    <a:p>
+                      <a:pPr algn="ctr" fontAlgn="b"/>
+                      <a:r>
+                        <a:rPr lang="en-US" sz="1100" u="none" strike="noStrike">
+                          <a:effectLst/>
+                        </a:rPr>
+                        <a:t>rp 2</a:t>
+                      </a:r>
+                      <a:endParaRPr lang="en-US" sz="1100" b="0" i="0" u="none" strike="noStrike">
+                        <a:solidFill>
+                          <a:srgbClr val="000000"/>
+                        </a:solidFill>
+                        <a:effectLst/>
+                        <a:latin typeface="Calibri" panose="020F0502020204030204" pitchFamily="34" charset="0"/>
+                      </a:endParaRPr>
+                    </a:p>
+                  </a:txBody>
+                  <a:tcPr marL="9525" marR="9525" marT="9525" marB="0" anchor="b"/>
+                </a:tc>
+                <a:tc>
+                  <a:txBody>
+                    <a:bodyPr/>
+                    <a:lstStyle/>
+                    <a:p>
+                      <a:pPr algn="ctr" fontAlgn="b"/>
+                      <a:r>
+                        <a:rPr lang="en-US" sz="1100" u="none" strike="noStrike">
+                          <a:effectLst/>
+                        </a:rPr>
+                        <a:t>TCTTCCGGCATAATSNNTTCCATAACACCCCTTG</a:t>
+                      </a:r>
+                      <a:endParaRPr lang="en-US" sz="1100" b="0" i="0" u="none" strike="noStrike">
+                        <a:solidFill>
+                          <a:srgbClr val="000000"/>
+                        </a:solidFill>
+                        <a:effectLst/>
+                        <a:latin typeface="Calibri" panose="020F0502020204030204" pitchFamily="34" charset="0"/>
+                      </a:endParaRPr>
+                    </a:p>
+                  </a:txBody>
+                  <a:tcPr marL="9525" marR="9525" marT="9525" marB="0" anchor="b">
+                    <a:lnR w="12700" cap="flat" cmpd="sng" algn="ctr">
+                      <a:solidFill>
+                        <a:schemeClr val="tx1"/>
+                      </a:solidFill>
+                      <a:prstDash val="solid"/>
+                      <a:round/>
+                      <a:headEnd type="none" w="med" len="med"/>
+                      <a:tailEnd type="none" w="med" len="med"/>
+                    </a:lnR>
+                  </a:tcPr>
+                </a:tc>
+                <a:extLst>
+                  <a:ext uri="{0D108BD9-81ED-4DB2-BD59-A6C34878D82A}">
+                    <a16:rowId xmlns:a16="http://schemas.microsoft.com/office/drawing/2014/main" val="730743274"/>
+                  </a:ext>
+                </a:extLst>
+              </a:tr>
+              <a:tr h="190500">
+                <a:tc>
+                  <a:txBody>
+                    <a:bodyPr/>
+                    <a:lstStyle/>
+                    <a:p>
+                      <a:pPr algn="ctr" fontAlgn="b"/>
+                      <a:r>
+                        <a:rPr lang="en-US" sz="1100" u="none" strike="noStrike">
+                          <a:effectLst/>
+                        </a:rPr>
+                        <a:t>fp 3</a:t>
+                      </a:r>
+                      <a:endParaRPr lang="en-US" sz="1100" b="0" i="0" u="none" strike="noStrike">
+                        <a:solidFill>
+                          <a:srgbClr val="000000"/>
+                        </a:solidFill>
+                        <a:effectLst/>
+                        <a:latin typeface="Calibri" panose="020F0502020204030204" pitchFamily="34" charset="0"/>
+                      </a:endParaRPr>
+                    </a:p>
+                  </a:txBody>
+                  <a:tcPr marL="9525" marR="9525" marT="9525" marB="0" anchor="b">
+                    <a:lnL w="12700" cap="flat" cmpd="sng" algn="ctr">
+                      <a:solidFill>
+                        <a:schemeClr val="tx1"/>
+                      </a:solidFill>
+                      <a:prstDash val="solid"/>
+                      <a:round/>
+                      <a:headEnd type="none" w="med" len="med"/>
+                      <a:tailEnd type="none" w="med" len="med"/>
+                    </a:lnL>
+                  </a:tcPr>
+                </a:tc>
+                <a:tc>
+                  <a:txBody>
+                    <a:bodyPr/>
+                    <a:lstStyle/>
+                    <a:p>
+                      <a:pPr algn="ctr" fontAlgn="b"/>
+                      <a:r>
+                        <a:rPr lang="en-US" sz="1100" u="none" strike="noStrike">
+                          <a:effectLst/>
+                        </a:rPr>
+                        <a:t>GGGGTGTTATGGAAAAANNSATGCCGGAAGAAGA</a:t>
+                      </a:r>
+                      <a:endParaRPr lang="en-US" sz="1100" b="0" i="0" u="none" strike="noStrike">
+                        <a:solidFill>
+                          <a:srgbClr val="000000"/>
+                        </a:solidFill>
+                        <a:effectLst/>
+                        <a:latin typeface="Calibri" panose="020F0502020204030204" pitchFamily="34" charset="0"/>
+                      </a:endParaRPr>
+                    </a:p>
+                  </a:txBody>
+                  <a:tcPr marL="9525" marR="9525" marT="9525" marB="0" anchor="b"/>
+                </a:tc>
+                <a:tc>
+                  <a:txBody>
+                    <a:bodyPr/>
+                    <a:lstStyle/>
+                    <a:p>
+                      <a:pPr algn="ctr" fontAlgn="b"/>
+                      <a:r>
+                        <a:rPr lang="en-US" sz="1100" u="none" strike="noStrike">
+                          <a:effectLst/>
+                        </a:rPr>
+                        <a:t>rp 3</a:t>
+                      </a:r>
+                      <a:endParaRPr lang="en-US" sz="1100" b="0" i="0" u="none" strike="noStrike">
+                        <a:solidFill>
+                          <a:srgbClr val="000000"/>
+                        </a:solidFill>
+                        <a:effectLst/>
+                        <a:latin typeface="Calibri" panose="020F0502020204030204" pitchFamily="34" charset="0"/>
+                      </a:endParaRPr>
+                    </a:p>
+                  </a:txBody>
+                  <a:tcPr marL="9525" marR="9525" marT="9525" marB="0" anchor="b"/>
+                </a:tc>
+                <a:tc>
+                  <a:txBody>
+                    <a:bodyPr/>
+                    <a:lstStyle/>
+                    <a:p>
+                      <a:pPr algn="ctr" fontAlgn="b"/>
+                      <a:r>
+                        <a:rPr lang="en-US" sz="1100" u="none" strike="noStrike">
+                          <a:effectLst/>
+                        </a:rPr>
+                        <a:t>TCTTCTTCCGGCATSNNTTTTTCCATAACACCCC</a:t>
+                      </a:r>
+                      <a:endParaRPr lang="en-US" sz="1100" b="0" i="0" u="none" strike="noStrike">
+                        <a:solidFill>
+                          <a:srgbClr val="000000"/>
+                        </a:solidFill>
+                        <a:effectLst/>
+                        <a:latin typeface="Calibri" panose="020F0502020204030204" pitchFamily="34" charset="0"/>
+                      </a:endParaRPr>
+                    </a:p>
+                  </a:txBody>
+                  <a:tcPr marL="9525" marR="9525" marT="9525" marB="0" anchor="b">
+                    <a:lnR w="12700" cap="flat" cmpd="sng" algn="ctr">
+                      <a:solidFill>
+                        <a:schemeClr val="tx1"/>
+                      </a:solidFill>
+                      <a:prstDash val="solid"/>
+                      <a:round/>
+                      <a:headEnd type="none" w="med" len="med"/>
+                      <a:tailEnd type="none" w="med" len="med"/>
+                    </a:lnR>
+                  </a:tcPr>
+                </a:tc>
+                <a:extLst>
+                  <a:ext uri="{0D108BD9-81ED-4DB2-BD59-A6C34878D82A}">
+                    <a16:rowId xmlns:a16="http://schemas.microsoft.com/office/drawing/2014/main" val="1459772211"/>
+                  </a:ext>
+                </a:extLst>
+              </a:tr>
+              <a:tr h="190500">
+                <a:tc>
+                  <a:txBody>
+                    <a:bodyPr/>
+                    <a:lstStyle/>
+                    <a:p>
+                      <a:pPr algn="ctr" fontAlgn="b"/>
+                      <a:r>
+                        <a:rPr lang="en-US" sz="1100" u="none" strike="noStrike">
+                          <a:effectLst/>
+                        </a:rPr>
+                        <a:t>fp 4</a:t>
+                      </a:r>
+                      <a:endParaRPr lang="en-US" sz="1100" b="0" i="0" u="none" strike="noStrike">
+                        <a:solidFill>
+                          <a:srgbClr val="000000"/>
+                        </a:solidFill>
+                        <a:effectLst/>
+                        <a:latin typeface="Calibri" panose="020F0502020204030204" pitchFamily="34" charset="0"/>
+                      </a:endParaRPr>
+                    </a:p>
+                  </a:txBody>
+                  <a:tcPr marL="9525" marR="9525" marT="9525" marB="0" anchor="b">
+                    <a:lnL w="12700" cap="flat" cmpd="sng" algn="ctr">
+                      <a:solidFill>
+                        <a:schemeClr val="tx1"/>
+                      </a:solidFill>
+                      <a:prstDash val="solid"/>
+                      <a:round/>
+                      <a:headEnd type="none" w="med" len="med"/>
+                      <a:tailEnd type="none" w="med" len="med"/>
+                    </a:lnL>
+                  </a:tcPr>
+                </a:tc>
+                <a:tc>
+                  <a:txBody>
+                    <a:bodyPr/>
+                    <a:lstStyle/>
+                    <a:p>
+                      <a:pPr algn="ctr" fontAlgn="b"/>
+                      <a:r>
+                        <a:rPr lang="en-US" sz="1100" u="none" strike="noStrike" dirty="0">
+                          <a:effectLst/>
+                        </a:rPr>
+                        <a:t>GGGGTGTTATGGAAAAAATTNNSCCGGAAGAAGAATACAG</a:t>
+                      </a:r>
+                      <a:endParaRPr lang="en-US" sz="1100" b="0" i="0" u="none" strike="noStrike" dirty="0">
+                        <a:solidFill>
+                          <a:srgbClr val="000000"/>
+                        </a:solidFill>
+                        <a:effectLst/>
+                        <a:latin typeface="Calibri" panose="020F0502020204030204" pitchFamily="34" charset="0"/>
+                      </a:endParaRPr>
+                    </a:p>
+                  </a:txBody>
+                  <a:tcPr marL="9525" marR="9525" marT="9525" marB="0" anchor="b"/>
+                </a:tc>
+                <a:tc>
+                  <a:txBody>
+                    <a:bodyPr/>
+                    <a:lstStyle/>
+                    <a:p>
+                      <a:pPr algn="ctr" fontAlgn="b"/>
+                      <a:r>
+                        <a:rPr lang="en-US" sz="1100" u="none" strike="noStrike">
+                          <a:effectLst/>
+                        </a:rPr>
+                        <a:t>rp 4</a:t>
+                      </a:r>
+                      <a:endParaRPr lang="en-US" sz="1100" b="0" i="0" u="none" strike="noStrike">
+                        <a:solidFill>
+                          <a:srgbClr val="000000"/>
+                        </a:solidFill>
+                        <a:effectLst/>
+                        <a:latin typeface="Calibri" panose="020F0502020204030204" pitchFamily="34" charset="0"/>
+                      </a:endParaRPr>
+                    </a:p>
+                  </a:txBody>
+                  <a:tcPr marL="9525" marR="9525" marT="9525" marB="0" anchor="b"/>
+                </a:tc>
+                <a:tc>
+                  <a:txBody>
+                    <a:bodyPr/>
+                    <a:lstStyle/>
+                    <a:p>
+                      <a:pPr algn="ctr" fontAlgn="b"/>
+                      <a:r>
+                        <a:rPr lang="en-US" sz="1100" u="none" strike="noStrike">
+                          <a:effectLst/>
+                        </a:rPr>
+                        <a:t>CTGTATTCTTCTTCCGGSNNAATTTTTTCCATAACACCCC</a:t>
+                      </a:r>
+                      <a:endParaRPr lang="en-US" sz="1100" b="0" i="0" u="none" strike="noStrike">
+                        <a:solidFill>
+                          <a:srgbClr val="000000"/>
+                        </a:solidFill>
+                        <a:effectLst/>
+                        <a:latin typeface="Calibri" panose="020F0502020204030204" pitchFamily="34" charset="0"/>
+                      </a:endParaRPr>
+                    </a:p>
+                  </a:txBody>
+                  <a:tcPr marL="9525" marR="9525" marT="9525" marB="0" anchor="b">
+                    <a:lnR w="12700" cap="flat" cmpd="sng" algn="ctr">
+                      <a:solidFill>
+                        <a:schemeClr val="tx1"/>
+                      </a:solidFill>
+                      <a:prstDash val="solid"/>
+                      <a:round/>
+                      <a:headEnd type="none" w="med" len="med"/>
+                      <a:tailEnd type="none" w="med" len="med"/>
+                    </a:lnR>
+                  </a:tcPr>
+                </a:tc>
+                <a:extLst>
+                  <a:ext uri="{0D108BD9-81ED-4DB2-BD59-A6C34878D82A}">
+                    <a16:rowId xmlns:a16="http://schemas.microsoft.com/office/drawing/2014/main" val="4216466816"/>
+                  </a:ext>
+                </a:extLst>
+              </a:tr>
+              <a:tr h="190500">
+                <a:tc>
+                  <a:txBody>
+                    <a:bodyPr/>
+                    <a:lstStyle/>
+                    <a:p>
+                      <a:pPr algn="ctr" fontAlgn="b"/>
+                      <a:r>
+                        <a:rPr lang="en-US" sz="1100" u="none" strike="noStrike">
+                          <a:effectLst/>
+                        </a:rPr>
+                        <a:t>fp 5</a:t>
+                      </a:r>
+                      <a:endParaRPr lang="en-US" sz="1100" b="0" i="0" u="none" strike="noStrike">
+                        <a:solidFill>
+                          <a:srgbClr val="000000"/>
+                        </a:solidFill>
+                        <a:effectLst/>
+                        <a:latin typeface="Calibri" panose="020F0502020204030204" pitchFamily="34" charset="0"/>
+                      </a:endParaRPr>
+                    </a:p>
+                  </a:txBody>
+                  <a:tcPr marL="9525" marR="9525" marT="9525" marB="0" anchor="b">
+                    <a:lnL w="12700" cap="flat" cmpd="sng" algn="ctr">
+                      <a:solidFill>
+                        <a:schemeClr val="tx1"/>
+                      </a:solidFill>
+                      <a:prstDash val="solid"/>
+                      <a:round/>
+                      <a:headEnd type="none" w="med" len="med"/>
+                      <a:tailEnd type="none" w="med" len="med"/>
+                    </a:lnL>
+                  </a:tcPr>
+                </a:tc>
+                <a:tc>
+                  <a:txBody>
+                    <a:bodyPr/>
+                    <a:lstStyle/>
+                    <a:p>
+                      <a:pPr algn="ctr" fontAlgn="b"/>
+                      <a:r>
+                        <a:rPr lang="en-US" sz="1100" u="none" strike="noStrike" dirty="0">
+                          <a:effectLst/>
+                        </a:rPr>
+                        <a:t>GGGTGTTATGGAAAAAATTATGNNSGAAGAAGAATACAGCGAA</a:t>
+                      </a:r>
+                      <a:endParaRPr lang="en-US" sz="1100" b="0" i="0" u="none" strike="noStrike" dirty="0">
+                        <a:solidFill>
+                          <a:srgbClr val="000000"/>
+                        </a:solidFill>
+                        <a:effectLst/>
+                        <a:latin typeface="Calibri" panose="020F0502020204030204" pitchFamily="34" charset="0"/>
+                      </a:endParaRPr>
+                    </a:p>
+                  </a:txBody>
+                  <a:tcPr marL="9525" marR="9525" marT="9525" marB="0" anchor="b"/>
+                </a:tc>
+                <a:tc>
+                  <a:txBody>
+                    <a:bodyPr/>
+                    <a:lstStyle/>
+                    <a:p>
+                      <a:pPr algn="ctr" fontAlgn="b"/>
+                      <a:r>
+                        <a:rPr lang="en-US" sz="1100" u="none" strike="noStrike">
+                          <a:effectLst/>
+                        </a:rPr>
+                        <a:t>rp 5</a:t>
+                      </a:r>
+                      <a:endParaRPr lang="en-US" sz="1100" b="0" i="0" u="none" strike="noStrike">
+                        <a:solidFill>
+                          <a:srgbClr val="000000"/>
+                        </a:solidFill>
+                        <a:effectLst/>
+                        <a:latin typeface="Calibri" panose="020F0502020204030204" pitchFamily="34" charset="0"/>
+                      </a:endParaRPr>
+                    </a:p>
+                  </a:txBody>
+                  <a:tcPr marL="9525" marR="9525" marT="9525" marB="0" anchor="b"/>
+                </a:tc>
+                <a:tc>
+                  <a:txBody>
+                    <a:bodyPr/>
+                    <a:lstStyle/>
+                    <a:p>
+                      <a:pPr algn="ctr" fontAlgn="b"/>
+                      <a:r>
+                        <a:rPr lang="en-US" sz="1100" u="none" strike="noStrike">
+                          <a:effectLst/>
+                        </a:rPr>
+                        <a:t>ATTCGCTGTATTCTTCTTCSNNCATAATTTTTTCCATAACACCC</a:t>
+                      </a:r>
+                      <a:endParaRPr lang="en-US" sz="1100" b="0" i="0" u="none" strike="noStrike">
+                        <a:solidFill>
+                          <a:srgbClr val="000000"/>
+                        </a:solidFill>
+                        <a:effectLst/>
+                        <a:latin typeface="Calibri" panose="020F0502020204030204" pitchFamily="34" charset="0"/>
+                      </a:endParaRPr>
+                    </a:p>
+                  </a:txBody>
+                  <a:tcPr marL="9525" marR="9525" marT="9525" marB="0" anchor="b">
+                    <a:lnR w="12700" cap="flat" cmpd="sng" algn="ctr">
+                      <a:solidFill>
+                        <a:schemeClr val="tx1"/>
+                      </a:solidFill>
+                      <a:prstDash val="solid"/>
+                      <a:round/>
+                      <a:headEnd type="none" w="med" len="med"/>
+                      <a:tailEnd type="none" w="med" len="med"/>
+                    </a:lnR>
+                  </a:tcPr>
+                </a:tc>
+                <a:extLst>
+                  <a:ext uri="{0D108BD9-81ED-4DB2-BD59-A6C34878D82A}">
+                    <a16:rowId xmlns:a16="http://schemas.microsoft.com/office/drawing/2014/main" val="1288955907"/>
+                  </a:ext>
+                </a:extLst>
+              </a:tr>
+              <a:tr h="190500">
+                <a:tc>
+                  <a:txBody>
+                    <a:bodyPr/>
+                    <a:lstStyle/>
+                    <a:p>
+                      <a:pPr algn="ctr" fontAlgn="b"/>
+                      <a:r>
+                        <a:rPr lang="en-US" sz="1100" u="none" strike="noStrike">
+                          <a:effectLst/>
+                        </a:rPr>
+                        <a:t>fp 6</a:t>
+                      </a:r>
+                      <a:endParaRPr lang="en-US" sz="1100" b="0" i="0" u="none" strike="noStrike">
+                        <a:solidFill>
+                          <a:srgbClr val="000000"/>
+                        </a:solidFill>
+                        <a:effectLst/>
+                        <a:latin typeface="Calibri" panose="020F0502020204030204" pitchFamily="34" charset="0"/>
+                      </a:endParaRPr>
+                    </a:p>
+                  </a:txBody>
+                  <a:tcPr marL="9525" marR="9525" marT="9525" marB="0" anchor="b">
+                    <a:lnL w="12700" cap="flat" cmpd="sng" algn="ctr">
+                      <a:solidFill>
+                        <a:schemeClr val="tx1"/>
+                      </a:solidFill>
+                      <a:prstDash val="solid"/>
+                      <a:round/>
+                      <a:headEnd type="none" w="med" len="med"/>
+                      <a:tailEnd type="none" w="med" len="med"/>
+                    </a:lnL>
+                    <a:lnB w="12700" cap="flat" cmpd="sng" algn="ctr">
+                      <a:solidFill>
+                        <a:schemeClr val="tx1"/>
+                      </a:solidFill>
+                      <a:prstDash val="solid"/>
+                      <a:round/>
+                      <a:headEnd type="none" w="med" len="med"/>
+                      <a:tailEnd type="none" w="med" len="med"/>
+                    </a:lnB>
+                  </a:tcPr>
+                </a:tc>
+                <a:tc>
+                  <a:txBody>
+                    <a:bodyPr/>
+                    <a:lstStyle/>
+                    <a:p>
+                      <a:pPr algn="ctr" fontAlgn="b"/>
+                      <a:r>
+                        <a:rPr lang="en-US" sz="1100" u="none" strike="noStrike">
+                          <a:effectLst/>
+                        </a:rPr>
+                        <a:t>GTTATGGAAAAAATTATGCCGNNSGAAGAATACAGCGAATTT</a:t>
+                      </a:r>
+                      <a:endParaRPr lang="en-US" sz="1100" b="0" i="0" u="none" strike="noStrike">
+                        <a:solidFill>
+                          <a:srgbClr val="000000"/>
+                        </a:solidFill>
+                        <a:effectLst/>
+                        <a:latin typeface="Calibri" panose="020F0502020204030204" pitchFamily="34" charset="0"/>
+                      </a:endParaRPr>
+                    </a:p>
+                  </a:txBody>
+                  <a:tcPr marL="9525" marR="9525" marT="9525" marB="0" anchor="b">
+                    <a:lnB w="12700" cap="flat" cmpd="sng" algn="ctr">
+                      <a:solidFill>
+                        <a:schemeClr val="tx1"/>
+                      </a:solidFill>
+                      <a:prstDash val="solid"/>
+                      <a:round/>
+                      <a:headEnd type="none" w="med" len="med"/>
+                      <a:tailEnd type="none" w="med" len="med"/>
+                    </a:lnB>
+                  </a:tcPr>
+                </a:tc>
+                <a:tc>
+                  <a:txBody>
+                    <a:bodyPr/>
+                    <a:lstStyle/>
+                    <a:p>
+                      <a:pPr algn="ctr" fontAlgn="b"/>
+                      <a:r>
+                        <a:rPr lang="en-US" sz="1100" u="none" strike="noStrike">
+                          <a:effectLst/>
+                        </a:rPr>
+                        <a:t>rp 6</a:t>
+                      </a:r>
+                      <a:endParaRPr lang="en-US" sz="1100" b="0" i="0" u="none" strike="noStrike">
+                        <a:solidFill>
+                          <a:srgbClr val="000000"/>
+                        </a:solidFill>
+                        <a:effectLst/>
+                        <a:latin typeface="Calibri" panose="020F0502020204030204" pitchFamily="34" charset="0"/>
+                      </a:endParaRPr>
+                    </a:p>
+                  </a:txBody>
+                  <a:tcPr marL="9525" marR="9525" marT="9525" marB="0" anchor="b">
+                    <a:lnB w="12700" cap="flat" cmpd="sng" algn="ctr">
+                      <a:solidFill>
+                        <a:schemeClr val="tx1"/>
+                      </a:solidFill>
+                      <a:prstDash val="solid"/>
+                      <a:round/>
+                      <a:headEnd type="none" w="med" len="med"/>
+                      <a:tailEnd type="none" w="med" len="med"/>
+                    </a:lnB>
+                  </a:tcPr>
+                </a:tc>
+                <a:tc>
+                  <a:txBody>
+                    <a:bodyPr/>
+                    <a:lstStyle/>
+                    <a:p>
+                      <a:pPr algn="ctr" fontAlgn="b"/>
+                      <a:r>
+                        <a:rPr lang="en-US" sz="1100" u="none" strike="noStrike" dirty="0">
+                          <a:effectLst/>
+                        </a:rPr>
+                        <a:t>AAATTCGCTGTATTCTTCSNNCGGCATAATTTTTTCCATAAC</a:t>
+                      </a:r>
+                      <a:endParaRPr lang="en-US" sz="1100" b="0" i="0" u="none" strike="noStrike" dirty="0">
+                        <a:solidFill>
+                          <a:srgbClr val="000000"/>
+                        </a:solidFill>
+                        <a:effectLst/>
+                        <a:latin typeface="Calibri" panose="020F0502020204030204" pitchFamily="34" charset="0"/>
+                      </a:endParaRPr>
+                    </a:p>
+                  </a:txBody>
+                  <a:tcPr marL="9525" marR="9525" marT="9525" marB="0" anchor="b">
+                    <a:lnR w="12700" cap="flat" cmpd="sng" algn="ctr">
+                      <a:solidFill>
+                        <a:schemeClr val="tx1"/>
+                      </a:solidFill>
+                      <a:prstDash val="solid"/>
+                      <a:round/>
+                      <a:headEnd type="none" w="med" len="med"/>
+                      <a:tailEnd type="none" w="med" len="med"/>
+                    </a:lnR>
+                    <a:lnB w="12700" cap="flat" cmpd="sng" algn="ctr">
+                      <a:solidFill>
+                        <a:schemeClr val="tx1"/>
+                      </a:solidFill>
+                      <a:prstDash val="solid"/>
+                      <a:round/>
+                      <a:headEnd type="none" w="med" len="med"/>
+                      <a:tailEnd type="none" w="med" len="med"/>
+                    </a:lnB>
+                  </a:tcPr>
+                </a:tc>
+                <a:extLst>
+                  <a:ext uri="{0D108BD9-81ED-4DB2-BD59-A6C34878D82A}">
+                    <a16:rowId xmlns:a16="http://schemas.microsoft.com/office/drawing/2014/main" val="3197758105"/>
+                  </a:ext>
+                </a:extLst>
+              </a:tr>
+            </a:tbl>
+          </a:graphicData>
+        </a:graphic>
+      </p:graphicFrame>
+    </p:spTree>
+    <p:extLst>
+      <p:ext uri="{BB962C8B-B14F-4D97-AF65-F5344CB8AC3E}">
+        <p14:creationId xmlns:p14="http://schemas.microsoft.com/office/powerpoint/2010/main" val="2145972124"/>
+      </p:ext>
+    </p:extLst>
+  </p:cSld>
+  <p:clrMapOvr>
+    <a:masterClrMapping/>
+  </p:clrMapOvr>
+</p:sld>
+</file>
+
 <file path=ppt/theme/theme1.xml><?xml version="1.0" encoding="utf-8"?>
 <a:theme xmlns:a="http://schemas.openxmlformats.org/drawingml/2006/main" name="Office Theme">
   <a:themeElements>

--- a/example/exported_images/pymol.pptx
+++ b/example/exported_images/pymol.pptx
@@ -5,7 +5,7 @@
     <p:sldMasterId id="2147483648" r:id="rId1"/>
   </p:sldMasterIdLst>
   <p:notesMasterIdLst>
-    <p:notesMasterId r:id="rId10"/>
+    <p:notesMasterId r:id="rId11"/>
   </p:notesMasterIdLst>
   <p:sldIdLst>
     <p:sldId id="257" r:id="rId2"/>
@@ -16,6 +16,7 @@
     <p:sldId id="262" r:id="rId7"/>
     <p:sldId id="263" r:id="rId8"/>
     <p:sldId id="264" r:id="rId9"/>
+    <p:sldId id="265" r:id="rId10"/>
   </p:sldIdLst>
   <p:sldSz cx="12192000" cy="6858000"/>
   <p:notesSz cx="6858000" cy="9144000"/>
@@ -11340,7 +11341,7 @@
           <p:nvPr>
             <p:extLst>
               <p:ext uri="{D42A27DB-BD31-4B8C-83A1-F6EECF244321}">
-                <p14:modId xmlns:p14="http://schemas.microsoft.com/office/powerpoint/2010/main" val="3298906571"/>
+                <p14:modId xmlns:p14="http://schemas.microsoft.com/office/powerpoint/2010/main" val="3461552967"/>
               </p:ext>
             </p:extLst>
           </p:nvPr>
@@ -11628,12 +11629,12 @@
                     <a:p>
                       <a:pPr algn="ctr" fontAlgn="b"/>
                       <a:r>
-                        <a:rPr lang="en-US" sz="1100" u="none" strike="noStrike">
+                        <a:rPr lang="en-US" sz="1100" u="none" strike="noStrike" dirty="0">
                           <a:effectLst/>
                         </a:rPr>
                         <a:t>CAGTAATACAAGGGGTGTTNNSGAAAAAATTATGCCGG</a:t>
                       </a:r>
-                      <a:endParaRPr lang="en-US" sz="1100" b="0" i="0" u="none" strike="noStrike">
+                      <a:endParaRPr lang="en-US" sz="1100" b="0" i="0" u="none" strike="noStrike" dirty="0">
                         <a:solidFill>
                           <a:srgbClr val="000000"/>
                         </a:solidFill>
@@ -12495,6 +12496,124 @@
     <p:extLst>
       <p:ext uri="{BB962C8B-B14F-4D97-AF65-F5344CB8AC3E}">
         <p14:creationId xmlns:p14="http://schemas.microsoft.com/office/powerpoint/2010/main" val="2145972124"/>
+      </p:ext>
+    </p:extLst>
+  </p:cSld>
+  <p:clrMapOvr>
+    <a:masterClrMapping/>
+  </p:clrMapOvr>
+</p:sld>
+</file>
+
+<file path=ppt/slides/slide9.xml><?xml version="1.0" encoding="utf-8"?>
+<p:sld xmlns:a="http://schemas.openxmlformats.org/drawingml/2006/main" xmlns:r="http://schemas.openxmlformats.org/officeDocument/2006/relationships" xmlns:p="http://schemas.openxmlformats.org/presentationml/2006/main">
+  <p:cSld>
+    <p:spTree>
+      <p:nvGrpSpPr>
+        <p:cNvPr id="1" name=""/>
+        <p:cNvGrpSpPr/>
+        <p:nvPr/>
+      </p:nvGrpSpPr>
+      <p:grpSpPr>
+        <a:xfrm>
+          <a:off x="0" y="0"/>
+          <a:ext cx="0" cy="0"/>
+          <a:chOff x="0" y="0"/>
+          <a:chExt cx="0" cy="0"/>
+        </a:xfrm>
+      </p:grpSpPr>
+      <p:sp>
+        <p:nvSpPr>
+          <p:cNvPr id="4" name="Rectangle 3">
+            <a:extLst>
+              <a:ext uri="{FF2B5EF4-FFF2-40B4-BE49-F238E27FC236}">
+                <a16:creationId xmlns:a16="http://schemas.microsoft.com/office/drawing/2014/main" id="{063C22BB-D356-2A4C-82E4-9DB83E7A5A97}"/>
+              </a:ext>
+            </a:extLst>
+          </p:cNvPr>
+          <p:cNvSpPr/>
+          <p:nvPr/>
+        </p:nvSpPr>
+        <p:spPr>
+          <a:xfrm>
+            <a:off x="1872343" y="474345"/>
+            <a:ext cx="5736771" cy="4247317"/>
+          </a:xfrm>
+          <a:prstGeom prst="rect">
+            <a:avLst/>
+          </a:prstGeom>
+        </p:spPr>
+        <p:txBody>
+          <a:bodyPr wrap="square">
+            <a:spAutoFit/>
+          </a:bodyPr>
+          <a:lstStyle/>
+          <a:p>
+            <a:r>
+              <a:rPr lang="en-US" dirty="0"/>
+              <a:t>&gt;0</a:t>
+            </a:r>
+          </a:p>
+          <a:p>
+            <a:r>
+              <a:rPr lang="en-US" dirty="0"/>
+              <a:t>ATGGCCGTGGGGTGTTATGGATGTACAGTAATACAAGGGGTGTTATGGAAAAAATTATGCCGGAAGAAGAATACAGCGAATTTAAAG</a:t>
+            </a:r>
+          </a:p>
+          <a:p>
+            <a:r>
+              <a:rPr lang="en-US" dirty="0"/>
+              <a:t>&gt;1</a:t>
+            </a:r>
+          </a:p>
+          <a:p>
+            <a:r>
+              <a:rPr lang="en-US" dirty="0"/>
+              <a:t>GCCGCCGTGGGGTGTTATGGATGTACAGTAATACAAGGGGTGTTATGGAAAAAATTATGCCGGAAGAAGAATACAGCGAATTTAAAG</a:t>
+            </a:r>
+          </a:p>
+          <a:p>
+            <a:r>
+              <a:rPr lang="en-US" dirty="0"/>
+              <a:t>&gt;2</a:t>
+            </a:r>
+          </a:p>
+          <a:p>
+            <a:r>
+              <a:rPr lang="en-US" dirty="0"/>
+              <a:t>GCGGCCGTGGGGTGTTATGGATGTACAGTAATACAAGGGGTGTTATGGAAAAAATTATGCCGGAAGAAGAATACAGCGAATTTAAAG</a:t>
+            </a:r>
+          </a:p>
+          <a:p>
+            <a:r>
+              <a:rPr lang="en-US" dirty="0"/>
+              <a:t>&gt;3</a:t>
+            </a:r>
+          </a:p>
+          <a:p>
+            <a:r>
+              <a:rPr lang="en-US" dirty="0"/>
+              <a:t>TGCGCCGTGGGGTGTTATGGATGTACAGTAATACAAGGGGTGTTATGGAAAAAATTATGCCGGAAGAAGAATACAGCGAATTTAAAG</a:t>
+            </a:r>
+          </a:p>
+          <a:p>
+            <a:r>
+              <a:rPr lang="en-US" dirty="0"/>
+              <a:t>&gt;4</a:t>
+            </a:r>
+          </a:p>
+          <a:p>
+            <a:r>
+              <a:rPr lang="en-US" dirty="0"/>
+              <a:t>GACGCCGTGGGGTGTTATGGATGTACAGTAATACAAGGGGTGTTATGGAAAAAATTATGCCGGAAGAAGAATACAGCGAATTTAAAG</a:t>
+            </a:r>
+          </a:p>
+        </p:txBody>
+      </p:sp>
+    </p:spTree>
+    <p:extLst>
+      <p:ext uri="{BB962C8B-B14F-4D97-AF65-F5344CB8AC3E}">
+        <p14:creationId xmlns:p14="http://schemas.microsoft.com/office/powerpoint/2010/main" val="1092384678"/>
       </p:ext>
     </p:extLst>
   </p:cSld>
